--- a/docs/songs/nothing is impossible.pptx
+++ b/docs/songs/nothing is impossible.pptx
@@ -5,14 +5,17 @@
     <p:sldMasterId id="2147483648" r:id="rId1"/>
   </p:sldMasterIdLst>
   <p:notesMasterIdLst>
-    <p:notesMasterId r:id="rId7"/>
+    <p:notesMasterId r:id="rId10"/>
   </p:notesMasterIdLst>
   <p:sldIdLst>
     <p:sldId id="825" r:id="rId2"/>
     <p:sldId id="826" r:id="rId3"/>
     <p:sldId id="827" r:id="rId4"/>
-    <p:sldId id="828" r:id="rId5"/>
-    <p:sldId id="829" r:id="rId6"/>
+    <p:sldId id="1319" r:id="rId5"/>
+    <p:sldId id="1325" r:id="rId6"/>
+    <p:sldId id="1323" r:id="rId7"/>
+    <p:sldId id="829" r:id="rId8"/>
+    <p:sldId id="1324" r:id="rId9"/>
   </p:sldIdLst>
   <p:sldSz cx="9144000" cy="6858000" type="screen4x3"/>
   <p:notesSz cx="6858000" cy="9144000"/>
@@ -212,7 +215,7 @@
           <a:p>
             <a:fld id="{E3B07587-0AD5-4696-90F7-0364B364FB7C}" type="datetimeFigureOut">
               <a:rPr lang="en-GB" smtClean="0"/>
-              <a:t>07/03/2023</a:t>
+              <a:t>25/04/2025</a:t>
             </a:fld>
             <a:endParaRPr lang="en-GB"/>
           </a:p>
@@ -545,7 +548,7 @@
           <a:p>
             <a:fld id="{E79B61DE-1D46-4752-AF65-FA2C4EB0D1D0}" type="slidenum">
               <a:rPr lang="en-GB" smtClean="0"/>
-              <a:t>5</a:t>
+              <a:t>7</a:t>
             </a:fld>
             <a:endParaRPr lang="en-GB"/>
           </a:p>
@@ -746,7 +749,7 @@
             <a:fld id="{26EA1CF3-4A15-4CBF-9A5A-6A56C368BE71}" type="datetimeFigureOut">
               <a:rPr lang="en-GB" smtClean="0"/>
               <a:pPr/>
-              <a:t>07/03/2023</a:t>
+              <a:t>25/04/2025</a:t>
             </a:fld>
             <a:endParaRPr lang="en-GB"/>
           </a:p>
@@ -913,7 +916,7 @@
             <a:fld id="{26EA1CF3-4A15-4CBF-9A5A-6A56C368BE71}" type="datetimeFigureOut">
               <a:rPr lang="en-GB" smtClean="0"/>
               <a:pPr/>
-              <a:t>07/03/2023</a:t>
+              <a:t>25/04/2025</a:t>
             </a:fld>
             <a:endParaRPr lang="en-GB"/>
           </a:p>
@@ -1090,7 +1093,7 @@
             <a:fld id="{26EA1CF3-4A15-4CBF-9A5A-6A56C368BE71}" type="datetimeFigureOut">
               <a:rPr lang="en-GB" smtClean="0"/>
               <a:pPr/>
-              <a:t>07/03/2023</a:t>
+              <a:t>25/04/2025</a:t>
             </a:fld>
             <a:endParaRPr lang="en-GB"/>
           </a:p>
@@ -1257,7 +1260,7 @@
             <a:fld id="{26EA1CF3-4A15-4CBF-9A5A-6A56C368BE71}" type="datetimeFigureOut">
               <a:rPr lang="en-GB" smtClean="0"/>
               <a:pPr/>
-              <a:t>07/03/2023</a:t>
+              <a:t>25/04/2025</a:t>
             </a:fld>
             <a:endParaRPr lang="en-GB"/>
           </a:p>
@@ -1500,7 +1503,7 @@
             <a:fld id="{26EA1CF3-4A15-4CBF-9A5A-6A56C368BE71}" type="datetimeFigureOut">
               <a:rPr lang="en-GB" smtClean="0"/>
               <a:pPr/>
-              <a:t>07/03/2023</a:t>
+              <a:t>25/04/2025</a:t>
             </a:fld>
             <a:endParaRPr lang="en-GB"/>
           </a:p>
@@ -1785,7 +1788,7 @@
             <a:fld id="{26EA1CF3-4A15-4CBF-9A5A-6A56C368BE71}" type="datetimeFigureOut">
               <a:rPr lang="en-GB" smtClean="0"/>
               <a:pPr/>
-              <a:t>07/03/2023</a:t>
+              <a:t>25/04/2025</a:t>
             </a:fld>
             <a:endParaRPr lang="en-GB"/>
           </a:p>
@@ -2204,7 +2207,7 @@
             <a:fld id="{26EA1CF3-4A15-4CBF-9A5A-6A56C368BE71}" type="datetimeFigureOut">
               <a:rPr lang="en-GB" smtClean="0"/>
               <a:pPr/>
-              <a:t>07/03/2023</a:t>
+              <a:t>25/04/2025</a:t>
             </a:fld>
             <a:endParaRPr lang="en-GB"/>
           </a:p>
@@ -2319,7 +2322,7 @@
             <a:fld id="{26EA1CF3-4A15-4CBF-9A5A-6A56C368BE71}" type="datetimeFigureOut">
               <a:rPr lang="en-GB" smtClean="0"/>
               <a:pPr/>
-              <a:t>07/03/2023</a:t>
+              <a:t>25/04/2025</a:t>
             </a:fld>
             <a:endParaRPr lang="en-GB"/>
           </a:p>
@@ -2411,7 +2414,7 @@
             <a:fld id="{26EA1CF3-4A15-4CBF-9A5A-6A56C368BE71}" type="datetimeFigureOut">
               <a:rPr lang="en-GB" smtClean="0"/>
               <a:pPr/>
-              <a:t>07/03/2023</a:t>
+              <a:t>25/04/2025</a:t>
             </a:fld>
             <a:endParaRPr lang="en-GB"/>
           </a:p>
@@ -2685,7 +2688,7 @@
             <a:fld id="{26EA1CF3-4A15-4CBF-9A5A-6A56C368BE71}" type="datetimeFigureOut">
               <a:rPr lang="en-GB" smtClean="0"/>
               <a:pPr/>
-              <a:t>07/03/2023</a:t>
+              <a:t>25/04/2025</a:t>
             </a:fld>
             <a:endParaRPr lang="en-GB"/>
           </a:p>
@@ -2935,7 +2938,7 @@
             <a:fld id="{26EA1CF3-4A15-4CBF-9A5A-6A56C368BE71}" type="datetimeFigureOut">
               <a:rPr lang="en-GB" smtClean="0"/>
               <a:pPr/>
-              <a:t>07/03/2023</a:t>
+              <a:t>25/04/2025</a:t>
             </a:fld>
             <a:endParaRPr lang="en-GB"/>
           </a:p>
@@ -3148,7 +3151,7 @@
             <a:fld id="{26EA1CF3-4A15-4CBF-9A5A-6A56C368BE71}" type="datetimeFigureOut">
               <a:rPr lang="en-GB" smtClean="0"/>
               <a:pPr/>
-              <a:t>07/03/2023</a:t>
+              <a:t>25/04/2025</a:t>
             </a:fld>
             <a:endParaRPr lang="en-GB"/>
           </a:p>
@@ -3727,7 +3730,7 @@
         </p:nvSpPr>
         <p:spPr>
           <a:xfrm>
-            <a:off x="323528" y="188640"/>
+            <a:off x="251520" y="692696"/>
             <a:ext cx="8640960" cy="6480720"/>
           </a:xfrm>
         </p:spPr>
@@ -3738,7 +3741,7 @@
           <a:lstStyle/>
           <a:p>
             <a:r>
-              <a:rPr lang="en-GB" sz="4000" dirty="0">
+              <a:rPr lang="en-GB" sz="3600" dirty="0">
                 <a:solidFill>
                   <a:schemeClr val="bg1"/>
                 </a:solidFill>
@@ -3748,7 +3751,7 @@
           </a:p>
           <a:p>
             <a:r>
-              <a:rPr lang="en-GB" sz="4000" dirty="0">
+              <a:rPr lang="en-GB" sz="3600" dirty="0">
                 <a:solidFill>
                   <a:schemeClr val="bg1"/>
                 </a:solidFill>
@@ -3758,7 +3761,7 @@
           </a:p>
           <a:p>
             <a:r>
-              <a:rPr lang="en-GB" sz="4000" dirty="0" err="1">
+              <a:rPr lang="en-GB" sz="3600" dirty="0" err="1">
                 <a:solidFill>
                   <a:schemeClr val="bg1"/>
                 </a:solidFill>
@@ -3766,7 +3769,7 @@
               <a:t>'Cause</a:t>
             </a:r>
             <a:r>
-              <a:rPr lang="en-GB" sz="4000" dirty="0">
+              <a:rPr lang="en-GB" sz="3600" dirty="0">
                 <a:solidFill>
                   <a:schemeClr val="bg1"/>
                 </a:solidFill>
@@ -3776,7 +3779,7 @@
           </a:p>
           <a:p>
             <a:r>
-              <a:rPr lang="en-GB" sz="4000" dirty="0">
+              <a:rPr lang="en-GB" sz="3600" dirty="0">
                 <a:solidFill>
                   <a:schemeClr val="bg1"/>
                 </a:solidFill>
@@ -3786,7 +3789,7 @@
           </a:p>
           <a:p>
             <a:r>
-              <a:rPr lang="en-GB" sz="4000" dirty="0">
+              <a:rPr lang="en-GB" sz="3600" dirty="0">
                 <a:solidFill>
                   <a:schemeClr val="bg1"/>
                 </a:solidFill>
@@ -3796,7 +3799,7 @@
           </a:p>
           <a:p>
             <a:r>
-              <a:rPr lang="en-GB" sz="4000" dirty="0">
+              <a:rPr lang="en-GB" sz="3600" dirty="0">
                 <a:solidFill>
                   <a:schemeClr val="bg1"/>
                 </a:solidFill>
@@ -3806,7 +3809,7 @@
           </a:p>
           <a:p>
             <a:r>
-              <a:rPr lang="en-GB" sz="4000" dirty="0">
+              <a:rPr lang="en-GB" sz="3600" dirty="0">
                 <a:solidFill>
                   <a:schemeClr val="bg1"/>
                 </a:solidFill>
@@ -3816,7 +3819,7 @@
           </a:p>
           <a:p>
             <a:r>
-              <a:rPr lang="en-GB" sz="4000" dirty="0">
+              <a:rPr lang="en-GB" sz="3600" dirty="0">
                 <a:solidFill>
                   <a:schemeClr val="bg1"/>
                 </a:solidFill>
@@ -3854,7 +3857,7 @@
                   <a:schemeClr val="bg1"/>
                 </a:solidFill>
               </a:rPr>
-              <a:t>1/4</a:t>
+              <a:t>1/7</a:t>
             </a:r>
           </a:p>
         </p:txBody>
@@ -3901,7 +3904,7 @@
         </p:nvSpPr>
         <p:spPr>
           <a:xfrm>
-            <a:off x="323528" y="188640"/>
+            <a:off x="251520" y="764704"/>
             <a:ext cx="8640960" cy="6480720"/>
           </a:xfrm>
         </p:spPr>
@@ -3912,7 +3915,7 @@
           <a:lstStyle/>
           <a:p>
             <a:r>
-              <a:rPr lang="en-GB" sz="4000" dirty="0">
+              <a:rPr lang="en-GB" sz="3600" dirty="0">
                 <a:solidFill>
                   <a:schemeClr val="bg1"/>
                 </a:solidFill>
@@ -3920,7 +3923,7 @@
               <a:t>I'm not </a:t>
             </a:r>
             <a:r>
-              <a:rPr lang="en-GB" sz="4000" dirty="0" err="1">
+              <a:rPr lang="en-GB" sz="3600" dirty="0" err="1">
                 <a:solidFill>
                   <a:schemeClr val="bg1"/>
                 </a:solidFill>
@@ -3928,7 +3931,7 @@
               <a:t>gonna</a:t>
             </a:r>
             <a:r>
-              <a:rPr lang="en-GB" sz="4000" dirty="0">
+              <a:rPr lang="en-GB" sz="3600" dirty="0">
                 <a:solidFill>
                   <a:schemeClr val="bg1"/>
                 </a:solidFill>
@@ -3938,7 +3941,7 @@
           </a:p>
           <a:p>
             <a:r>
-              <a:rPr lang="en-GB" sz="4000" dirty="0">
+              <a:rPr lang="en-GB" sz="3600" dirty="0">
                 <a:solidFill>
                   <a:schemeClr val="bg1"/>
                 </a:solidFill>
@@ -3946,7 +3949,7 @@
               <a:t>I'm not </a:t>
             </a:r>
             <a:r>
-              <a:rPr lang="en-GB" sz="4000" dirty="0" err="1">
+              <a:rPr lang="en-GB" sz="3600" dirty="0" err="1">
                 <a:solidFill>
                   <a:schemeClr val="bg1"/>
                 </a:solidFill>
@@ -3954,13 +3957,72 @@
               <a:t>gonna</a:t>
             </a:r>
             <a:r>
-              <a:rPr lang="en-GB" sz="4000" dirty="0">
+              <a:rPr lang="en-GB" sz="3600" dirty="0">
                 <a:solidFill>
                   <a:schemeClr val="bg1"/>
                 </a:solidFill>
               </a:rPr>
               <a:t> live by what I feel</a:t>
             </a:r>
+            <a:br>
+              <a:rPr lang="en-GB" sz="3600" dirty="0">
+                <a:solidFill>
+                  <a:schemeClr val="bg1"/>
+                </a:solidFill>
+              </a:rPr>
+            </a:br>
+            <a:br>
+              <a:rPr lang="en-GB" sz="3600" dirty="0">
+                <a:solidFill>
+                  <a:schemeClr val="bg1"/>
+                </a:solidFill>
+              </a:rPr>
+            </a:br>
+            <a:r>
+              <a:rPr lang="en-GB" sz="3600" dirty="0">
+                <a:solidFill>
+                  <a:schemeClr val="bg1"/>
+                </a:solidFill>
+              </a:rPr>
+              <a:t>Deep down I know that </a:t>
+            </a:r>
+          </a:p>
+          <a:p>
+            <a:r>
+              <a:rPr lang="en-GB" sz="3600" dirty="0">
+                <a:solidFill>
+                  <a:schemeClr val="bg1"/>
+                </a:solidFill>
+              </a:rPr>
+              <a:t>You're here with me</a:t>
+            </a:r>
+          </a:p>
+          <a:p>
+            <a:r>
+              <a:rPr lang="en-GB" sz="3600" dirty="0">
+                <a:solidFill>
+                  <a:schemeClr val="bg1"/>
+                </a:solidFill>
+              </a:rPr>
+              <a:t>And I know that </a:t>
+            </a:r>
+          </a:p>
+          <a:p>
+            <a:r>
+              <a:rPr lang="en-GB" sz="3600" dirty="0">
+                <a:solidFill>
+                  <a:schemeClr val="bg1"/>
+                </a:solidFill>
+              </a:rPr>
+              <a:t>You can do anything</a:t>
+            </a:r>
+          </a:p>
+          <a:p>
+            <a:endParaRPr lang="en-GB" sz="3600" dirty="0">
+              <a:solidFill>
+                <a:schemeClr val="bg1"/>
+              </a:solidFill>
+            </a:endParaRPr>
           </a:p>
         </p:txBody>
       </p:sp>
@@ -3992,7 +4054,7 @@
                   <a:schemeClr val="bg1"/>
                 </a:solidFill>
               </a:rPr>
-              <a:t>2/4</a:t>
+              <a:t>2/7</a:t>
             </a:r>
           </a:p>
         </p:txBody>
@@ -4015,7 +4077,13 @@
   <p:cSld>
     <p:spTree>
       <p:nvGrpSpPr>
-        <p:cNvPr id="1" name=""/>
+        <p:cNvPr id="1" name="">
+          <a:extLst>
+            <a:ext uri="{FF2B5EF4-FFF2-40B4-BE49-F238E27FC236}">
+              <a16:creationId xmlns:a16="http://schemas.microsoft.com/office/drawing/2014/main" id="{FE059058-8E18-B7CE-1DDE-AC916064612C}"/>
+            </a:ext>
+          </a:extLst>
+        </p:cNvPr>
         <p:cNvGrpSpPr/>
         <p:nvPr/>
       </p:nvGrpSpPr>
@@ -4029,7 +4097,13 @@
       </p:grpSpPr>
       <p:sp>
         <p:nvSpPr>
-          <p:cNvPr id="3" name="Subtitle 2"/>
+          <p:cNvPr id="3" name="Subtitle 2">
+            <a:extLst>
+              <a:ext uri="{FF2B5EF4-FFF2-40B4-BE49-F238E27FC236}">
+                <a16:creationId xmlns:a16="http://schemas.microsoft.com/office/drawing/2014/main" id="{ADE8011E-5869-11E4-2697-4F22BD400C64}"/>
+              </a:ext>
+            </a:extLst>
+          </p:cNvPr>
           <p:cNvSpPr>
             <a:spLocks noGrp="1"/>
           </p:cNvSpPr>
@@ -4039,7 +4113,7 @@
         </p:nvSpPr>
         <p:spPr>
           <a:xfrm>
-            <a:off x="323528" y="188640"/>
+            <a:off x="251520" y="692696"/>
             <a:ext cx="8640960" cy="6480720"/>
           </a:xfrm>
         </p:spPr>
@@ -4050,49 +4124,103 @@
           <a:lstStyle/>
           <a:p>
             <a:r>
-              <a:rPr lang="en-GB" sz="4000" dirty="0">
-                <a:solidFill>
-                  <a:schemeClr val="bg1"/>
-                </a:solidFill>
-              </a:rPr>
-              <a:t>Deep down I know that </a:t>
-            </a:r>
-          </a:p>
-          <a:p>
-            <a:r>
-              <a:rPr lang="en-GB" sz="4000" dirty="0">
-                <a:solidFill>
-                  <a:schemeClr val="bg1"/>
-                </a:solidFill>
-              </a:rPr>
-              <a:t>You're here with me</a:t>
-            </a:r>
-          </a:p>
-          <a:p>
-            <a:r>
-              <a:rPr lang="en-GB" sz="4000" dirty="0">
-                <a:solidFill>
-                  <a:schemeClr val="bg1"/>
-                </a:solidFill>
-              </a:rPr>
-              <a:t>And I know that </a:t>
-            </a:r>
-          </a:p>
-          <a:p>
-            <a:r>
-              <a:rPr lang="en-GB" sz="4000" dirty="0">
-                <a:solidFill>
-                  <a:schemeClr val="bg1"/>
-                </a:solidFill>
-              </a:rPr>
-              <a:t>You can do anything</a:t>
-            </a:r>
-          </a:p>
-        </p:txBody>
-      </p:sp>
-      <p:sp>
-        <p:nvSpPr>
-          <p:cNvPr id="4" name="TextBox 3"/>
+              <a:rPr lang="en-GB" sz="3600" dirty="0">
+                <a:solidFill>
+                  <a:schemeClr val="bg1"/>
+                </a:solidFill>
+              </a:rPr>
+              <a:t>Through You I can do anything</a:t>
+            </a:r>
+          </a:p>
+          <a:p>
+            <a:r>
+              <a:rPr lang="en-GB" sz="3600" dirty="0">
+                <a:solidFill>
+                  <a:schemeClr val="bg1"/>
+                </a:solidFill>
+              </a:rPr>
+              <a:t>I can do all things</a:t>
+            </a:r>
+          </a:p>
+          <a:p>
+            <a:r>
+              <a:rPr lang="en-GB" sz="3600" dirty="0" err="1">
+                <a:solidFill>
+                  <a:schemeClr val="bg1"/>
+                </a:solidFill>
+              </a:rPr>
+              <a:t>'Cause</a:t>
+            </a:r>
+            <a:r>
+              <a:rPr lang="en-GB" sz="3600" dirty="0">
+                <a:solidFill>
+                  <a:schemeClr val="bg1"/>
+                </a:solidFill>
+              </a:rPr>
+              <a:t> it's You who gives me strength</a:t>
+            </a:r>
+          </a:p>
+          <a:p>
+            <a:r>
+              <a:rPr lang="en-GB" sz="3600" dirty="0">
+                <a:solidFill>
+                  <a:schemeClr val="bg1"/>
+                </a:solidFill>
+              </a:rPr>
+              <a:t>Nothing is impossible</a:t>
+            </a:r>
+          </a:p>
+          <a:p>
+            <a:r>
+              <a:rPr lang="en-GB" sz="3600" dirty="0">
+                <a:solidFill>
+                  <a:schemeClr val="bg1"/>
+                </a:solidFill>
+              </a:rPr>
+              <a:t>Through You blind eyes are open</a:t>
+            </a:r>
+          </a:p>
+          <a:p>
+            <a:r>
+              <a:rPr lang="en-GB" sz="3600" dirty="0">
+                <a:solidFill>
+                  <a:schemeClr val="bg1"/>
+                </a:solidFill>
+              </a:rPr>
+              <a:t>Strongholds are broken</a:t>
+            </a:r>
+          </a:p>
+          <a:p>
+            <a:r>
+              <a:rPr lang="en-GB" sz="3600" dirty="0">
+                <a:solidFill>
+                  <a:schemeClr val="bg1"/>
+                </a:solidFill>
+              </a:rPr>
+              <a:t>I am living by faith</a:t>
+            </a:r>
+          </a:p>
+          <a:p>
+            <a:r>
+              <a:rPr lang="en-GB" sz="3600" dirty="0">
+                <a:solidFill>
+                  <a:schemeClr val="bg1"/>
+                </a:solidFill>
+              </a:rPr>
+              <a:t>Nothing is impossible</a:t>
+            </a:r>
+          </a:p>
+        </p:txBody>
+      </p:sp>
+      <p:sp>
+        <p:nvSpPr>
+          <p:cNvPr id="4" name="TextBox 3">
+            <a:extLst>
+              <a:ext uri="{FF2B5EF4-FFF2-40B4-BE49-F238E27FC236}">
+                <a16:creationId xmlns:a16="http://schemas.microsoft.com/office/drawing/2014/main" id="{2BB3FB91-6A53-65B4-DEE8-36821247E0A2}"/>
+              </a:ext>
+            </a:extLst>
+          </p:cNvPr>
           <p:cNvSpPr txBox="1"/>
           <p:nvPr/>
         </p:nvSpPr>
@@ -4118,7 +4246,7 @@
                   <a:schemeClr val="bg1"/>
                 </a:solidFill>
               </a:rPr>
-              <a:t>3/4</a:t>
+              <a:t>3/7</a:t>
             </a:r>
           </a:p>
         </p:txBody>
@@ -4126,7 +4254,7 @@
     </p:spTree>
     <p:extLst>
       <p:ext uri="{BB962C8B-B14F-4D97-AF65-F5344CB8AC3E}">
-        <p14:creationId xmlns:p14="http://schemas.microsoft.com/office/powerpoint/2010/main" val="7465409"/>
+        <p14:creationId xmlns:p14="http://schemas.microsoft.com/office/powerpoint/2010/main" val="1792727447"/>
       </p:ext>
     </p:extLst>
   </p:cSld>
@@ -4137,6 +4265,413 @@
 </file>
 
 <file path=ppt/slides/slide5.xml><?xml version="1.0" encoding="utf-8"?>
+<p:sld xmlns:a="http://schemas.openxmlformats.org/drawingml/2006/main" xmlns:r="http://schemas.openxmlformats.org/officeDocument/2006/relationships" xmlns:p="http://schemas.openxmlformats.org/presentationml/2006/main">
+  <p:cSld>
+    <p:spTree>
+      <p:nvGrpSpPr>
+        <p:cNvPr id="1" name="">
+          <a:extLst>
+            <a:ext uri="{FF2B5EF4-FFF2-40B4-BE49-F238E27FC236}">
+              <a16:creationId xmlns:a16="http://schemas.microsoft.com/office/drawing/2014/main" id="{002AA1D6-CFD8-9D4F-8143-D12716F0A1F3}"/>
+            </a:ext>
+          </a:extLst>
+        </p:cNvPr>
+        <p:cNvGrpSpPr/>
+        <p:nvPr/>
+      </p:nvGrpSpPr>
+      <p:grpSpPr>
+        <a:xfrm>
+          <a:off x="0" y="0"/>
+          <a:ext cx="0" cy="0"/>
+          <a:chOff x="0" y="0"/>
+          <a:chExt cx="0" cy="0"/>
+        </a:xfrm>
+      </p:grpSpPr>
+      <p:sp>
+        <p:nvSpPr>
+          <p:cNvPr id="3" name="Subtitle 2">
+            <a:extLst>
+              <a:ext uri="{FF2B5EF4-FFF2-40B4-BE49-F238E27FC236}">
+                <a16:creationId xmlns:a16="http://schemas.microsoft.com/office/drawing/2014/main" id="{705D9AA9-D99B-187C-3FA1-6B18D317F2B9}"/>
+              </a:ext>
+            </a:extLst>
+          </p:cNvPr>
+          <p:cNvSpPr>
+            <a:spLocks noGrp="1"/>
+          </p:cNvSpPr>
+          <p:nvPr>
+            <p:ph type="subTitle" idx="1"/>
+          </p:nvPr>
+        </p:nvSpPr>
+        <p:spPr>
+          <a:xfrm>
+            <a:off x="251520" y="764704"/>
+            <a:ext cx="8640960" cy="6480720"/>
+          </a:xfrm>
+        </p:spPr>
+        <p:txBody>
+          <a:bodyPr>
+            <a:noAutofit/>
+          </a:bodyPr>
+          <a:lstStyle/>
+          <a:p>
+            <a:r>
+              <a:rPr lang="en-GB" sz="3600" dirty="0">
+                <a:solidFill>
+                  <a:schemeClr val="bg1"/>
+                </a:solidFill>
+              </a:rPr>
+              <a:t>I'm not </a:t>
+            </a:r>
+            <a:r>
+              <a:rPr lang="en-GB" sz="3600" dirty="0" err="1">
+                <a:solidFill>
+                  <a:schemeClr val="bg1"/>
+                </a:solidFill>
+              </a:rPr>
+              <a:t>gonna</a:t>
+            </a:r>
+            <a:r>
+              <a:rPr lang="en-GB" sz="3600" dirty="0">
+                <a:solidFill>
+                  <a:schemeClr val="bg1"/>
+                </a:solidFill>
+              </a:rPr>
+              <a:t> live by what I see</a:t>
+            </a:r>
+          </a:p>
+          <a:p>
+            <a:r>
+              <a:rPr lang="en-GB" sz="3600" dirty="0">
+                <a:solidFill>
+                  <a:schemeClr val="bg1"/>
+                </a:solidFill>
+              </a:rPr>
+              <a:t>I'm not </a:t>
+            </a:r>
+            <a:r>
+              <a:rPr lang="en-GB" sz="3600" dirty="0" err="1">
+                <a:solidFill>
+                  <a:schemeClr val="bg1"/>
+                </a:solidFill>
+              </a:rPr>
+              <a:t>gonna</a:t>
+            </a:r>
+            <a:r>
+              <a:rPr lang="en-GB" sz="3600" dirty="0">
+                <a:solidFill>
+                  <a:schemeClr val="bg1"/>
+                </a:solidFill>
+              </a:rPr>
+              <a:t> live by what I feel</a:t>
+            </a:r>
+            <a:br>
+              <a:rPr lang="en-GB" sz="3600" dirty="0">
+                <a:solidFill>
+                  <a:schemeClr val="bg1"/>
+                </a:solidFill>
+              </a:rPr>
+            </a:br>
+            <a:br>
+              <a:rPr lang="en-GB" sz="3600" dirty="0">
+                <a:solidFill>
+                  <a:schemeClr val="bg1"/>
+                </a:solidFill>
+              </a:rPr>
+            </a:br>
+            <a:r>
+              <a:rPr lang="en-GB" sz="3600" dirty="0">
+                <a:solidFill>
+                  <a:schemeClr val="bg1"/>
+                </a:solidFill>
+              </a:rPr>
+              <a:t>Deep down I know that </a:t>
+            </a:r>
+          </a:p>
+          <a:p>
+            <a:r>
+              <a:rPr lang="en-GB" sz="3600" dirty="0">
+                <a:solidFill>
+                  <a:schemeClr val="bg1"/>
+                </a:solidFill>
+              </a:rPr>
+              <a:t>You're here with me</a:t>
+            </a:r>
+          </a:p>
+          <a:p>
+            <a:r>
+              <a:rPr lang="en-GB" sz="3600" dirty="0">
+                <a:solidFill>
+                  <a:schemeClr val="bg1"/>
+                </a:solidFill>
+              </a:rPr>
+              <a:t>And I know that </a:t>
+            </a:r>
+          </a:p>
+          <a:p>
+            <a:r>
+              <a:rPr lang="en-GB" sz="3600" dirty="0">
+                <a:solidFill>
+                  <a:schemeClr val="bg1"/>
+                </a:solidFill>
+              </a:rPr>
+              <a:t>You can do anything</a:t>
+            </a:r>
+          </a:p>
+          <a:p>
+            <a:endParaRPr lang="en-GB" sz="3600" dirty="0">
+              <a:solidFill>
+                <a:schemeClr val="bg1"/>
+              </a:solidFill>
+            </a:endParaRPr>
+          </a:p>
+        </p:txBody>
+      </p:sp>
+      <p:sp>
+        <p:nvSpPr>
+          <p:cNvPr id="4" name="TextBox 3">
+            <a:extLst>
+              <a:ext uri="{FF2B5EF4-FFF2-40B4-BE49-F238E27FC236}">
+                <a16:creationId xmlns:a16="http://schemas.microsoft.com/office/drawing/2014/main" id="{90E46AED-FA37-EFEF-64DB-94786EA7811D}"/>
+              </a:ext>
+            </a:extLst>
+          </p:cNvPr>
+          <p:cNvSpPr txBox="1"/>
+          <p:nvPr/>
+        </p:nvSpPr>
+        <p:spPr>
+          <a:xfrm>
+            <a:off x="8529729" y="0"/>
+            <a:ext cx="628698" cy="461665"/>
+          </a:xfrm>
+          <a:prstGeom prst="rect">
+            <a:avLst/>
+          </a:prstGeom>
+          <a:noFill/>
+        </p:spPr>
+        <p:txBody>
+          <a:bodyPr wrap="none" rtlCol="0">
+            <a:spAutoFit/>
+          </a:bodyPr>
+          <a:lstStyle/>
+          <a:p>
+            <a:r>
+              <a:rPr lang="en-GB" sz="2400" b="1" dirty="0">
+                <a:solidFill>
+                  <a:schemeClr val="bg1"/>
+                </a:solidFill>
+              </a:rPr>
+              <a:t>4/7</a:t>
+            </a:r>
+          </a:p>
+        </p:txBody>
+      </p:sp>
+    </p:spTree>
+    <p:extLst>
+      <p:ext uri="{BB962C8B-B14F-4D97-AF65-F5344CB8AC3E}">
+        <p14:creationId xmlns:p14="http://schemas.microsoft.com/office/powerpoint/2010/main" val="1743805658"/>
+      </p:ext>
+    </p:extLst>
+  </p:cSld>
+  <p:clrMapOvr>
+    <a:masterClrMapping/>
+  </p:clrMapOvr>
+</p:sld>
+</file>
+
+<file path=ppt/slides/slide6.xml><?xml version="1.0" encoding="utf-8"?>
+<p:sld xmlns:a="http://schemas.openxmlformats.org/drawingml/2006/main" xmlns:r="http://schemas.openxmlformats.org/officeDocument/2006/relationships" xmlns:p="http://schemas.openxmlformats.org/presentationml/2006/main">
+  <p:cSld>
+    <p:spTree>
+      <p:nvGrpSpPr>
+        <p:cNvPr id="1" name="">
+          <a:extLst>
+            <a:ext uri="{FF2B5EF4-FFF2-40B4-BE49-F238E27FC236}">
+              <a16:creationId xmlns:a16="http://schemas.microsoft.com/office/drawing/2014/main" id="{62874F4E-C960-AB75-2B74-44618E4AF927}"/>
+            </a:ext>
+          </a:extLst>
+        </p:cNvPr>
+        <p:cNvGrpSpPr/>
+        <p:nvPr/>
+      </p:nvGrpSpPr>
+      <p:grpSpPr>
+        <a:xfrm>
+          <a:off x="0" y="0"/>
+          <a:ext cx="0" cy="0"/>
+          <a:chOff x="0" y="0"/>
+          <a:chExt cx="0" cy="0"/>
+        </a:xfrm>
+      </p:grpSpPr>
+      <p:sp>
+        <p:nvSpPr>
+          <p:cNvPr id="3" name="Subtitle 2">
+            <a:extLst>
+              <a:ext uri="{FF2B5EF4-FFF2-40B4-BE49-F238E27FC236}">
+                <a16:creationId xmlns:a16="http://schemas.microsoft.com/office/drawing/2014/main" id="{59782BF4-9400-5AA7-E5B3-384A7ABFBA3A}"/>
+              </a:ext>
+            </a:extLst>
+          </p:cNvPr>
+          <p:cNvSpPr>
+            <a:spLocks noGrp="1"/>
+          </p:cNvSpPr>
+          <p:nvPr>
+            <p:ph type="subTitle" idx="1"/>
+          </p:nvPr>
+        </p:nvSpPr>
+        <p:spPr>
+          <a:xfrm>
+            <a:off x="251520" y="692696"/>
+            <a:ext cx="8640960" cy="6480720"/>
+          </a:xfrm>
+        </p:spPr>
+        <p:txBody>
+          <a:bodyPr>
+            <a:noAutofit/>
+          </a:bodyPr>
+          <a:lstStyle/>
+          <a:p>
+            <a:r>
+              <a:rPr lang="en-GB" sz="3600" dirty="0">
+                <a:solidFill>
+                  <a:schemeClr val="bg1"/>
+                </a:solidFill>
+              </a:rPr>
+              <a:t>Through You I can do anything</a:t>
+            </a:r>
+          </a:p>
+          <a:p>
+            <a:r>
+              <a:rPr lang="en-GB" sz="3600" dirty="0">
+                <a:solidFill>
+                  <a:schemeClr val="bg1"/>
+                </a:solidFill>
+              </a:rPr>
+              <a:t>I can do all things</a:t>
+            </a:r>
+          </a:p>
+          <a:p>
+            <a:r>
+              <a:rPr lang="en-GB" sz="3600" dirty="0" err="1">
+                <a:solidFill>
+                  <a:schemeClr val="bg1"/>
+                </a:solidFill>
+              </a:rPr>
+              <a:t>'Cause</a:t>
+            </a:r>
+            <a:r>
+              <a:rPr lang="en-GB" sz="3600" dirty="0">
+                <a:solidFill>
+                  <a:schemeClr val="bg1"/>
+                </a:solidFill>
+              </a:rPr>
+              <a:t> it's You who gives me strength</a:t>
+            </a:r>
+          </a:p>
+          <a:p>
+            <a:r>
+              <a:rPr lang="en-GB" sz="3600" dirty="0">
+                <a:solidFill>
+                  <a:schemeClr val="bg1"/>
+                </a:solidFill>
+              </a:rPr>
+              <a:t>Nothing is impossible</a:t>
+            </a:r>
+          </a:p>
+          <a:p>
+            <a:r>
+              <a:rPr lang="en-GB" sz="3600" dirty="0">
+                <a:solidFill>
+                  <a:schemeClr val="bg1"/>
+                </a:solidFill>
+              </a:rPr>
+              <a:t>Through You blind eyes are open</a:t>
+            </a:r>
+          </a:p>
+          <a:p>
+            <a:r>
+              <a:rPr lang="en-GB" sz="3600" dirty="0">
+                <a:solidFill>
+                  <a:schemeClr val="bg1"/>
+                </a:solidFill>
+              </a:rPr>
+              <a:t>Strongholds are broken</a:t>
+            </a:r>
+          </a:p>
+          <a:p>
+            <a:r>
+              <a:rPr lang="en-GB" sz="3600" dirty="0">
+                <a:solidFill>
+                  <a:schemeClr val="bg1"/>
+                </a:solidFill>
+              </a:rPr>
+              <a:t>I am living by faith</a:t>
+            </a:r>
+          </a:p>
+          <a:p>
+            <a:r>
+              <a:rPr lang="en-GB" sz="3600" dirty="0">
+                <a:solidFill>
+                  <a:schemeClr val="bg1"/>
+                </a:solidFill>
+              </a:rPr>
+              <a:t>Nothing is impossible</a:t>
+            </a:r>
+          </a:p>
+        </p:txBody>
+      </p:sp>
+      <p:sp>
+        <p:nvSpPr>
+          <p:cNvPr id="4" name="TextBox 3">
+            <a:extLst>
+              <a:ext uri="{FF2B5EF4-FFF2-40B4-BE49-F238E27FC236}">
+                <a16:creationId xmlns:a16="http://schemas.microsoft.com/office/drawing/2014/main" id="{0EB1EC04-1EB2-542F-6F8A-E2731DF13677}"/>
+              </a:ext>
+            </a:extLst>
+          </p:cNvPr>
+          <p:cNvSpPr txBox="1"/>
+          <p:nvPr/>
+        </p:nvSpPr>
+        <p:spPr>
+          <a:xfrm>
+            <a:off x="8529729" y="0"/>
+            <a:ext cx="628698" cy="461665"/>
+          </a:xfrm>
+          <a:prstGeom prst="rect">
+            <a:avLst/>
+          </a:prstGeom>
+          <a:noFill/>
+        </p:spPr>
+        <p:txBody>
+          <a:bodyPr wrap="none" rtlCol="0">
+            <a:spAutoFit/>
+          </a:bodyPr>
+          <a:lstStyle/>
+          <a:p>
+            <a:r>
+              <a:rPr lang="en-GB" sz="2400" b="1" dirty="0">
+                <a:solidFill>
+                  <a:schemeClr val="bg1"/>
+                </a:solidFill>
+              </a:rPr>
+              <a:t>5/7</a:t>
+            </a:r>
+          </a:p>
+        </p:txBody>
+      </p:sp>
+    </p:spTree>
+    <p:extLst>
+      <p:ext uri="{BB962C8B-B14F-4D97-AF65-F5344CB8AC3E}">
+        <p14:creationId xmlns:p14="http://schemas.microsoft.com/office/powerpoint/2010/main" val="1776337534"/>
+      </p:ext>
+    </p:extLst>
+  </p:cSld>
+  <p:clrMapOvr>
+    <a:masterClrMapping/>
+  </p:clrMapOvr>
+</p:sld>
+</file>
+
+<file path=ppt/slides/slide7.xml><?xml version="1.0" encoding="utf-8"?>
 <p:sld xmlns:a="http://schemas.openxmlformats.org/drawingml/2006/main" xmlns:r="http://schemas.openxmlformats.org/officeDocument/2006/relationships" xmlns:p="http://schemas.openxmlformats.org/presentationml/2006/main">
   <p:cSld>
     <p:spTree>
@@ -4165,7 +4700,7 @@
         </p:nvSpPr>
         <p:spPr>
           <a:xfrm>
-            <a:off x="323528" y="188640"/>
+            <a:off x="203118" y="764704"/>
             <a:ext cx="8640960" cy="6480720"/>
           </a:xfrm>
         </p:spPr>
@@ -4176,7 +4711,7 @@
           <a:lstStyle/>
           <a:p>
             <a:r>
-              <a:rPr lang="en-GB" sz="4000" dirty="0">
+              <a:rPr lang="en-GB" sz="3600" dirty="0">
                 <a:solidFill>
                   <a:schemeClr val="bg1"/>
                 </a:solidFill>
@@ -4186,7 +4721,7 @@
           </a:p>
           <a:p>
             <a:r>
-              <a:rPr lang="en-GB" sz="4000" dirty="0">
+              <a:rPr lang="en-GB" sz="3600" dirty="0">
                 <a:solidFill>
                   <a:schemeClr val="bg1"/>
                 </a:solidFill>
@@ -4196,7 +4731,7 @@
           </a:p>
           <a:p>
             <a:r>
-              <a:rPr lang="en-GB" sz="4000" dirty="0">
+              <a:rPr lang="en-GB" sz="3600" dirty="0">
                 <a:solidFill>
                   <a:schemeClr val="bg1"/>
                 </a:solidFill>
@@ -4234,7 +4769,7 @@
                   <a:schemeClr val="bg1"/>
                 </a:solidFill>
               </a:rPr>
-              <a:t>4/4</a:t>
+              <a:t>6/7</a:t>
             </a:r>
           </a:p>
         </p:txBody>
@@ -4243,6 +4778,198 @@
     <p:extLst>
       <p:ext uri="{BB962C8B-B14F-4D97-AF65-F5344CB8AC3E}">
         <p14:creationId xmlns:p14="http://schemas.microsoft.com/office/powerpoint/2010/main" val="2190393719"/>
+      </p:ext>
+    </p:extLst>
+  </p:cSld>
+  <p:clrMapOvr>
+    <a:masterClrMapping/>
+  </p:clrMapOvr>
+</p:sld>
+</file>
+
+<file path=ppt/slides/slide8.xml><?xml version="1.0" encoding="utf-8"?>
+<p:sld xmlns:a="http://schemas.openxmlformats.org/drawingml/2006/main" xmlns:r="http://schemas.openxmlformats.org/officeDocument/2006/relationships" xmlns:p="http://schemas.openxmlformats.org/presentationml/2006/main">
+  <p:cSld>
+    <p:spTree>
+      <p:nvGrpSpPr>
+        <p:cNvPr id="1" name="">
+          <a:extLst>
+            <a:ext uri="{FF2B5EF4-FFF2-40B4-BE49-F238E27FC236}">
+              <a16:creationId xmlns:a16="http://schemas.microsoft.com/office/drawing/2014/main" id="{1AE86915-F785-1800-E921-5BDCA30C3CA9}"/>
+            </a:ext>
+          </a:extLst>
+        </p:cNvPr>
+        <p:cNvGrpSpPr/>
+        <p:nvPr/>
+      </p:nvGrpSpPr>
+      <p:grpSpPr>
+        <a:xfrm>
+          <a:off x="0" y="0"/>
+          <a:ext cx="0" cy="0"/>
+          <a:chOff x="0" y="0"/>
+          <a:chExt cx="0" cy="0"/>
+        </a:xfrm>
+      </p:grpSpPr>
+      <p:sp>
+        <p:nvSpPr>
+          <p:cNvPr id="3" name="Subtitle 2">
+            <a:extLst>
+              <a:ext uri="{FF2B5EF4-FFF2-40B4-BE49-F238E27FC236}">
+                <a16:creationId xmlns:a16="http://schemas.microsoft.com/office/drawing/2014/main" id="{E5AF2949-1488-6006-6C0D-C352C32958A5}"/>
+              </a:ext>
+            </a:extLst>
+          </p:cNvPr>
+          <p:cNvSpPr>
+            <a:spLocks noGrp="1"/>
+          </p:cNvSpPr>
+          <p:nvPr>
+            <p:ph type="subTitle" idx="1"/>
+          </p:nvPr>
+        </p:nvSpPr>
+        <p:spPr>
+          <a:xfrm>
+            <a:off x="251520" y="692696"/>
+            <a:ext cx="8640960" cy="6480720"/>
+          </a:xfrm>
+        </p:spPr>
+        <p:txBody>
+          <a:bodyPr>
+            <a:noAutofit/>
+          </a:bodyPr>
+          <a:lstStyle/>
+          <a:p>
+            <a:r>
+              <a:rPr lang="en-GB" sz="3600" dirty="0">
+                <a:solidFill>
+                  <a:schemeClr val="bg1"/>
+                </a:solidFill>
+              </a:rPr>
+              <a:t>Through You I can do anything</a:t>
+            </a:r>
+          </a:p>
+          <a:p>
+            <a:r>
+              <a:rPr lang="en-GB" sz="3600" dirty="0">
+                <a:solidFill>
+                  <a:schemeClr val="bg1"/>
+                </a:solidFill>
+              </a:rPr>
+              <a:t>I can do all things</a:t>
+            </a:r>
+          </a:p>
+          <a:p>
+            <a:r>
+              <a:rPr lang="en-GB" sz="3600" dirty="0" err="1">
+                <a:solidFill>
+                  <a:schemeClr val="bg1"/>
+                </a:solidFill>
+              </a:rPr>
+              <a:t>'Cause</a:t>
+            </a:r>
+            <a:r>
+              <a:rPr lang="en-GB" sz="3600" dirty="0">
+                <a:solidFill>
+                  <a:schemeClr val="bg1"/>
+                </a:solidFill>
+              </a:rPr>
+              <a:t> it's You who gives me strength</a:t>
+            </a:r>
+          </a:p>
+          <a:p>
+            <a:r>
+              <a:rPr lang="en-GB" sz="3600" dirty="0">
+                <a:solidFill>
+                  <a:schemeClr val="bg1"/>
+                </a:solidFill>
+              </a:rPr>
+              <a:t>Nothing is impossible</a:t>
+            </a:r>
+          </a:p>
+          <a:p>
+            <a:r>
+              <a:rPr lang="en-GB" sz="3600" dirty="0">
+                <a:solidFill>
+                  <a:schemeClr val="bg1"/>
+                </a:solidFill>
+              </a:rPr>
+              <a:t>Through You blind eyes are open</a:t>
+            </a:r>
+          </a:p>
+          <a:p>
+            <a:r>
+              <a:rPr lang="en-GB" sz="3600" dirty="0">
+                <a:solidFill>
+                  <a:schemeClr val="bg1"/>
+                </a:solidFill>
+              </a:rPr>
+              <a:t>Strongholds are broken</a:t>
+            </a:r>
+          </a:p>
+          <a:p>
+            <a:r>
+              <a:rPr lang="en-GB" sz="3600" dirty="0">
+                <a:solidFill>
+                  <a:schemeClr val="bg1"/>
+                </a:solidFill>
+              </a:rPr>
+              <a:t>I am living by faith</a:t>
+            </a:r>
+          </a:p>
+          <a:p>
+            <a:r>
+              <a:rPr lang="en-GB" sz="3600" dirty="0">
+                <a:solidFill>
+                  <a:schemeClr val="bg1"/>
+                </a:solidFill>
+              </a:rPr>
+              <a:t>Nothing is impossible</a:t>
+            </a:r>
+          </a:p>
+        </p:txBody>
+      </p:sp>
+      <p:sp>
+        <p:nvSpPr>
+          <p:cNvPr id="4" name="TextBox 3">
+            <a:extLst>
+              <a:ext uri="{FF2B5EF4-FFF2-40B4-BE49-F238E27FC236}">
+                <a16:creationId xmlns:a16="http://schemas.microsoft.com/office/drawing/2014/main" id="{99996281-7EF4-F461-49A7-16852E8DFF38}"/>
+              </a:ext>
+            </a:extLst>
+          </p:cNvPr>
+          <p:cNvSpPr txBox="1"/>
+          <p:nvPr/>
+        </p:nvSpPr>
+        <p:spPr>
+          <a:xfrm>
+            <a:off x="8529729" y="0"/>
+            <a:ext cx="628698" cy="461665"/>
+          </a:xfrm>
+          <a:prstGeom prst="rect">
+            <a:avLst/>
+          </a:prstGeom>
+          <a:noFill/>
+        </p:spPr>
+        <p:txBody>
+          <a:bodyPr wrap="none" rtlCol="0">
+            <a:spAutoFit/>
+          </a:bodyPr>
+          <a:lstStyle/>
+          <a:p>
+            <a:r>
+              <a:rPr lang="en-GB" sz="2400" b="1" dirty="0">
+                <a:solidFill>
+                  <a:schemeClr val="bg1"/>
+                </a:solidFill>
+              </a:rPr>
+              <a:t>7/7</a:t>
+            </a:r>
+          </a:p>
+        </p:txBody>
+      </p:sp>
+    </p:spTree>
+    <p:extLst>
+      <p:ext uri="{BB962C8B-B14F-4D97-AF65-F5344CB8AC3E}">
+        <p14:creationId xmlns:p14="http://schemas.microsoft.com/office/powerpoint/2010/main" val="3274640186"/>
       </p:ext>
     </p:extLst>
   </p:cSld>
